--- a/training/2022_07_25-27_securite_web/support/Sécurité des applications Web.pptx
+++ b/training/2022_07_25-27_securite_web/support/Sécurité des applications Web.pptx
@@ -110,6 +110,11 @@
       </a:defRPr>
     </a:lvl9pPr>
   </p:defaultTextStyle>
+  <p:extLst>
+    <p:ext uri="{EFAFB233-063F-42B5-8137-9DF3F51BA10A}">
+      <p15:sldGuideLst xmlns:p15="http://schemas.microsoft.com/office/powerpoint/2012/main"/>
+    </p:ext>
+  </p:extLst>
 </p:presentation>
 </file>
 
@@ -244,7 +249,7 @@
           <a:p>
             <a:fld id="{EBBEB294-DD7C-48CA-8E8B-A8C6D495169C}" type="datetimeFigureOut">
               <a:rPr lang="fr-FR" smtClean="0"/>
-              <a:t>24/07/2022</a:t>
+              <a:t>26/07/2022</a:t>
             </a:fld>
             <a:endParaRPr lang="fr-FR"/>
           </a:p>
@@ -414,7 +419,7 @@
           <a:p>
             <a:fld id="{EBBEB294-DD7C-48CA-8E8B-A8C6D495169C}" type="datetimeFigureOut">
               <a:rPr lang="fr-FR" smtClean="0"/>
-              <a:t>24/07/2022</a:t>
+              <a:t>26/07/2022</a:t>
             </a:fld>
             <a:endParaRPr lang="fr-FR"/>
           </a:p>
@@ -594,7 +599,7 @@
           <a:p>
             <a:fld id="{EBBEB294-DD7C-48CA-8E8B-A8C6D495169C}" type="datetimeFigureOut">
               <a:rPr lang="fr-FR" smtClean="0"/>
-              <a:t>24/07/2022</a:t>
+              <a:t>26/07/2022</a:t>
             </a:fld>
             <a:endParaRPr lang="fr-FR"/>
           </a:p>
@@ -780,7 +785,7 @@
           <a:p>
             <a:fld id="{EBBEB294-DD7C-48CA-8E8B-A8C6D495169C}" type="datetimeFigureOut">
               <a:rPr lang="fr-FR" smtClean="0"/>
-              <a:t>24/07/2022</a:t>
+              <a:t>26/07/2022</a:t>
             </a:fld>
             <a:endParaRPr lang="fr-FR"/>
           </a:p>
@@ -1026,7 +1031,7 @@
           <a:p>
             <a:fld id="{EBBEB294-DD7C-48CA-8E8B-A8C6D495169C}" type="datetimeFigureOut">
               <a:rPr lang="fr-FR" smtClean="0"/>
-              <a:t>24/07/2022</a:t>
+              <a:t>26/07/2022</a:t>
             </a:fld>
             <a:endParaRPr lang="fr-FR"/>
           </a:p>
@@ -1258,7 +1263,7 @@
           <a:p>
             <a:fld id="{EBBEB294-DD7C-48CA-8E8B-A8C6D495169C}" type="datetimeFigureOut">
               <a:rPr lang="fr-FR" smtClean="0"/>
-              <a:t>24/07/2022</a:t>
+              <a:t>26/07/2022</a:t>
             </a:fld>
             <a:endParaRPr lang="fr-FR"/>
           </a:p>
@@ -1625,7 +1630,7 @@
           <a:p>
             <a:fld id="{EBBEB294-DD7C-48CA-8E8B-A8C6D495169C}" type="datetimeFigureOut">
               <a:rPr lang="fr-FR" smtClean="0"/>
-              <a:t>24/07/2022</a:t>
+              <a:t>26/07/2022</a:t>
             </a:fld>
             <a:endParaRPr lang="fr-FR"/>
           </a:p>
@@ -1743,7 +1748,7 @@
           <a:p>
             <a:fld id="{EBBEB294-DD7C-48CA-8E8B-A8C6D495169C}" type="datetimeFigureOut">
               <a:rPr lang="fr-FR" smtClean="0"/>
-              <a:t>24/07/2022</a:t>
+              <a:t>26/07/2022</a:t>
             </a:fld>
             <a:endParaRPr lang="fr-FR"/>
           </a:p>
@@ -1838,7 +1843,7 @@
           <a:p>
             <a:fld id="{EBBEB294-DD7C-48CA-8E8B-A8C6D495169C}" type="datetimeFigureOut">
               <a:rPr lang="fr-FR" smtClean="0"/>
-              <a:t>24/07/2022</a:t>
+              <a:t>26/07/2022</a:t>
             </a:fld>
             <a:endParaRPr lang="fr-FR"/>
           </a:p>
@@ -2115,7 +2120,7 @@
           <a:p>
             <a:fld id="{EBBEB294-DD7C-48CA-8E8B-A8C6D495169C}" type="datetimeFigureOut">
               <a:rPr lang="fr-FR" smtClean="0"/>
-              <a:t>24/07/2022</a:t>
+              <a:t>26/07/2022</a:t>
             </a:fld>
             <a:endParaRPr lang="fr-FR"/>
           </a:p>
@@ -2368,7 +2373,7 @@
           <a:p>
             <a:fld id="{EBBEB294-DD7C-48CA-8E8B-A8C6D495169C}" type="datetimeFigureOut">
               <a:rPr lang="fr-FR" smtClean="0"/>
-              <a:t>24/07/2022</a:t>
+              <a:t>26/07/2022</a:t>
             </a:fld>
             <a:endParaRPr lang="fr-FR"/>
           </a:p>
@@ -2581,7 +2586,7 @@
           <a:p>
             <a:fld id="{EBBEB294-DD7C-48CA-8E8B-A8C6D495169C}" type="datetimeFigureOut">
               <a:rPr lang="fr-FR" smtClean="0"/>
-              <a:t>24/07/2022</a:t>
+              <a:t>26/07/2022</a:t>
             </a:fld>
             <a:endParaRPr lang="fr-FR"/>
           </a:p>
@@ -3247,11 +3252,7 @@
             </a:pPr>
             <a:r>
               <a:rPr lang="fr-FR" dirty="0" smtClean="0"/>
-              <a:t>Mettre la machine VMWARE en mode Bridge: </a:t>
-            </a:r>
-            <a:r>
-              <a:rPr lang="fr-FR" dirty="0" smtClean="0"/>
-              <a:t>allez dans </a:t>
+              <a:t>Mettre la machine VMWARE en mode Bridge: allez dans </a:t>
             </a:r>
             <a:r>
               <a:rPr lang="fr-FR" sz="1800" dirty="0" smtClean="0"/>
@@ -3843,12 +3844,16 @@
           </a:p>
           <a:p>
             <a:r>
+              <a:rPr lang="fr-FR" dirty="0" err="1"/>
+              <a:t>n</a:t>
+            </a:r>
+            <a:r>
               <a:rPr lang="fr-FR" dirty="0" err="1" smtClean="0"/>
-              <a:t>Nmap</a:t>
-            </a:r>
-            <a:r>
-              <a:rPr lang="fr-FR" dirty="0" smtClean="0"/>
-              <a:t> –</a:t>
+              <a:t>map</a:t>
+            </a:r>
+            <a:r>
+              <a:rPr lang="fr-FR" dirty="0" smtClean="0"/>
+              <a:t> -</a:t>
             </a:r>
             <a:r>
               <a:rPr lang="fr-FR" dirty="0" err="1" smtClean="0"/>
@@ -3856,7 +3861,7 @@
             </a:r>
             <a:r>
               <a:rPr lang="fr-FR" dirty="0" smtClean="0"/>
-              <a:t> –</a:t>
+              <a:t> -</a:t>
             </a:r>
             <a:r>
               <a:rPr lang="fr-FR" dirty="0" err="1" smtClean="0"/>
@@ -3864,27 +3869,47 @@
             </a:r>
             <a:r>
               <a:rPr lang="fr-FR" dirty="0" smtClean="0"/>
-              <a:t> –v –p 80,443 &lt;adresse&gt;</a:t>
-            </a:r>
-          </a:p>
-          <a:p>
+              <a:t> -v -p </a:t>
+            </a:r>
+            <a:r>
+              <a:rPr lang="fr-FR" dirty="0" smtClean="0"/>
+              <a:t>80,443 &lt;adresse&gt;</a:t>
+            </a:r>
+          </a:p>
+          <a:p>
+            <a:r>
+              <a:rPr lang="fr-FR" dirty="0" err="1"/>
+              <a:t>n</a:t>
+            </a:r>
             <a:r>
               <a:rPr lang="fr-FR" dirty="0" err="1" smtClean="0"/>
-              <a:t>Nikto</a:t>
-            </a:r>
-            <a:r>
-              <a:rPr lang="fr-FR" dirty="0" smtClean="0"/>
-              <a:t> –h site</a:t>
-            </a:r>
-          </a:p>
-          <a:p>
-            <a:r>
-              <a:rPr lang="fr-FR" smtClean="0"/>
+              <a:t>ikto</a:t>
+            </a:r>
+            <a:r>
+              <a:rPr lang="fr-FR" dirty="0" smtClean="0"/>
+              <a:t> -h </a:t>
+            </a:r>
+            <a:r>
+              <a:rPr lang="fr-FR" dirty="0" smtClean="0"/>
+              <a:t>site</a:t>
+            </a:r>
+          </a:p>
+          <a:p>
+            <a:r>
+              <a:rPr lang="fr-FR" dirty="0" err="1" smtClean="0"/>
               <a:t>wpscan</a:t>
             </a:r>
             <a:r>
               <a:rPr lang="fr-FR" dirty="0" smtClean="0"/>
-              <a:t> –url site-</a:t>
+              <a:t> </a:t>
+            </a:r>
+            <a:r>
+              <a:rPr lang="fr-FR" dirty="0" smtClean="0"/>
+              <a:t>--url </a:t>
+            </a:r>
+            <a:r>
+              <a:rPr lang="fr-FR" dirty="0" smtClean="0"/>
+              <a:t>site-</a:t>
             </a:r>
             <a:r>
               <a:rPr lang="fr-FR" dirty="0" err="1" smtClean="0"/>
@@ -4027,6 +4052,22 @@
               <a:rPr lang="fr-FR" dirty="0" err="1" smtClean="0"/>
               <a:t>gobuster</a:t>
             </a:r>
+            <a:r>
+              <a:rPr lang="fr-FR" dirty="0"/>
+              <a:t> (</a:t>
+            </a:r>
+            <a:r>
+              <a:rPr lang="fr-FR" dirty="0" err="1"/>
+              <a:t>apt-get</a:t>
+            </a:r>
+            <a:r>
+              <a:rPr lang="fr-FR" dirty="0"/>
+              <a:t> </a:t>
+            </a:r>
+            <a:r>
+              <a:rPr lang="fr-FR" dirty="0" smtClean="0"/>
+              <a:t>update)</a:t>
+            </a:r>
             <a:endParaRPr lang="fr-FR" dirty="0" smtClean="0"/>
           </a:p>
           <a:p>
@@ -4075,7 +4116,11 @@
             </a:r>
             <a:r>
               <a:rPr lang="fr-FR" sz="2400" dirty="0" smtClean="0"/>
-              <a:t> -r –u </a:t>
+              <a:t> -r </a:t>
+            </a:r>
+            <a:r>
+              <a:rPr lang="fr-FR" sz="2400" dirty="0" smtClean="0"/>
+              <a:t>-u </a:t>
             </a:r>
             <a:r>
               <a:rPr lang="fr-FR" sz="2400" dirty="0" smtClean="0">
